--- a/instructions/Kraken.pptx
+++ b/instructions/Kraken.pptx
@@ -246,7 +246,7 @@
           <a:p>
             <a:fld id="{D6D9B312-7411-AD47-86CB-DABA08953CCA}" type="datetimeFigureOut">
               <a:rPr lang="en-CH" smtClean="0"/>
-              <a:t>22.03.23</a:t>
+              <a:t>15.12.23</a:t>
             </a:fld>
             <a:endParaRPr lang="en-CH"/>
           </a:p>
@@ -444,7 +444,7 @@
           <a:p>
             <a:fld id="{D6D9B312-7411-AD47-86CB-DABA08953CCA}" type="datetimeFigureOut">
               <a:rPr lang="en-CH" smtClean="0"/>
-              <a:t>22.03.23</a:t>
+              <a:t>15.12.23</a:t>
             </a:fld>
             <a:endParaRPr lang="en-CH"/>
           </a:p>
@@ -624,7 +624,7 @@
           <a:p>
             <a:fld id="{D6D9B312-7411-AD47-86CB-DABA08953CCA}" type="datetimeFigureOut">
               <a:rPr lang="en-CH" smtClean="0"/>
-              <a:t>22.03.23</a:t>
+              <a:t>15.12.23</a:t>
             </a:fld>
             <a:endParaRPr lang="en-CH"/>
           </a:p>
@@ -794,7 +794,7 @@
           <a:p>
             <a:fld id="{D6D9B312-7411-AD47-86CB-DABA08953CCA}" type="datetimeFigureOut">
               <a:rPr lang="en-CH" smtClean="0"/>
-              <a:t>22.03.23</a:t>
+              <a:t>15.12.23</a:t>
             </a:fld>
             <a:endParaRPr lang="en-CH"/>
           </a:p>
@@ -1066,7 +1066,7 @@
           <a:p>
             <a:fld id="{D6D9B312-7411-AD47-86CB-DABA08953CCA}" type="datetimeFigureOut">
               <a:rPr lang="en-CH" smtClean="0"/>
-              <a:t>22.03.23</a:t>
+              <a:t>15.12.23</a:t>
             </a:fld>
             <a:endParaRPr lang="en-CH"/>
           </a:p>
@@ -1298,7 +1298,7 @@
           <a:p>
             <a:fld id="{D6D9B312-7411-AD47-86CB-DABA08953CCA}" type="datetimeFigureOut">
               <a:rPr lang="en-CH" smtClean="0"/>
-              <a:t>22.03.23</a:t>
+              <a:t>15.12.23</a:t>
             </a:fld>
             <a:endParaRPr lang="en-CH"/>
           </a:p>
@@ -1665,7 +1665,7 @@
           <a:p>
             <a:fld id="{D6D9B312-7411-AD47-86CB-DABA08953CCA}" type="datetimeFigureOut">
               <a:rPr lang="en-CH" smtClean="0"/>
-              <a:t>22.03.23</a:t>
+              <a:t>15.12.23</a:t>
             </a:fld>
             <a:endParaRPr lang="en-CH"/>
           </a:p>
@@ -1783,7 +1783,7 @@
           <a:p>
             <a:fld id="{D6D9B312-7411-AD47-86CB-DABA08953CCA}" type="datetimeFigureOut">
               <a:rPr lang="en-CH" smtClean="0"/>
-              <a:t>22.03.23</a:t>
+              <a:t>15.12.23</a:t>
             </a:fld>
             <a:endParaRPr lang="en-CH"/>
           </a:p>
@@ -1878,7 +1878,7 @@
           <a:p>
             <a:fld id="{D6D9B312-7411-AD47-86CB-DABA08953CCA}" type="datetimeFigureOut">
               <a:rPr lang="en-CH" smtClean="0"/>
-              <a:t>22.03.23</a:t>
+              <a:t>15.12.23</a:t>
             </a:fld>
             <a:endParaRPr lang="en-CH"/>
           </a:p>
@@ -2155,7 +2155,7 @@
           <a:p>
             <a:fld id="{D6D9B312-7411-AD47-86CB-DABA08953CCA}" type="datetimeFigureOut">
               <a:rPr lang="en-CH" smtClean="0"/>
-              <a:t>22.03.23</a:t>
+              <a:t>15.12.23</a:t>
             </a:fld>
             <a:endParaRPr lang="en-CH"/>
           </a:p>
@@ -2412,7 +2412,7 @@
           <a:p>
             <a:fld id="{D6D9B312-7411-AD47-86CB-DABA08953CCA}" type="datetimeFigureOut">
               <a:rPr lang="en-CH" smtClean="0"/>
-              <a:t>22.03.23</a:t>
+              <a:t>15.12.23</a:t>
             </a:fld>
             <a:endParaRPr lang="en-CH"/>
           </a:p>
@@ -2625,7 +2625,7 @@
           <a:p>
             <a:fld id="{D6D9B312-7411-AD47-86CB-DABA08953CCA}" type="datetimeFigureOut">
               <a:rPr lang="en-CH" smtClean="0"/>
-              <a:t>22.03.23</a:t>
+              <a:t>15.12.23</a:t>
             </a:fld>
             <a:endParaRPr lang="en-CH"/>
           </a:p>
@@ -4002,6 +4002,25 @@
           <a:p>
             <a:r>
               <a:rPr lang="en-CH" dirty="0"/>
+              <a:t>RAM = 30</a:t>
+            </a:r>
+          </a:p>
+          <a:p>
+            <a:r>
+              <a:rPr lang="en-CH" dirty="0"/>
+              <a:t>CORES = 8</a:t>
+            </a:r>
+          </a:p>
+          <a:p>
+            <a:r>
+              <a:rPr lang="en-CH"/>
+              <a:t>SCRATCH = 30</a:t>
+            </a:r>
+            <a:endParaRPr lang="en-CH" dirty="0"/>
+          </a:p>
+          <a:p>
+            <a:r>
+              <a:rPr lang="en-CH" dirty="0"/>
               <a:t>Otherwise do not change anything, the rest of the parameters allow you to trim and filter the reads but we don’t need to do that.</a:t>
             </a:r>
           </a:p>
